--- a/Literature Review.pptx
+++ b/Literature Review.pptx
@@ -12,11 +12,14 @@
     <p:sldId id="260" r:id="rId6"/>
     <p:sldId id="261" r:id="rId7"/>
     <p:sldId id="269" r:id="rId8"/>
-    <p:sldId id="270" r:id="rId9"/>
-    <p:sldId id="262" r:id="rId10"/>
-    <p:sldId id="264" r:id="rId11"/>
-    <p:sldId id="268" r:id="rId12"/>
-    <p:sldId id="265" r:id="rId13"/>
+    <p:sldId id="262" r:id="rId9"/>
+    <p:sldId id="264" r:id="rId10"/>
+    <p:sldId id="268" r:id="rId11"/>
+    <p:sldId id="265" r:id="rId12"/>
+    <p:sldId id="274" r:id="rId13"/>
+    <p:sldId id="272" r:id="rId14"/>
+    <p:sldId id="273" r:id="rId15"/>
+    <p:sldId id="270" r:id="rId16"/>
   </p:sldIdLst>
   <p:sldSz cx="9144000" cy="6858000" type="screen4x3"/>
   <p:notesSz cx="6858000" cy="9144000"/>
@@ -300,7 +303,7 @@
             <a:fld id="{1B73288E-874A-47DE-9914-02496ECAAC46}" type="datetimeFigureOut">
               <a:rPr lang="en-US" smtClean="0"/>
               <a:pPr/>
-              <a:t>10/11/2016</a:t>
+              <a:t>10/12/2016</a:t>
             </a:fld>
             <a:endParaRPr lang="en-US"/>
           </a:p>
@@ -467,7 +470,7 @@
             <a:fld id="{1B73288E-874A-47DE-9914-02496ECAAC46}" type="datetimeFigureOut">
               <a:rPr lang="en-US" smtClean="0"/>
               <a:pPr/>
-              <a:t>10/11/2016</a:t>
+              <a:t>10/12/2016</a:t>
             </a:fld>
             <a:endParaRPr lang="en-US"/>
           </a:p>
@@ -644,7 +647,7 @@
             <a:fld id="{1B73288E-874A-47DE-9914-02496ECAAC46}" type="datetimeFigureOut">
               <a:rPr lang="en-US" smtClean="0"/>
               <a:pPr/>
-              <a:t>10/11/2016</a:t>
+              <a:t>10/12/2016</a:t>
             </a:fld>
             <a:endParaRPr lang="en-US"/>
           </a:p>
@@ -811,7 +814,7 @@
             <a:fld id="{1B73288E-874A-47DE-9914-02496ECAAC46}" type="datetimeFigureOut">
               <a:rPr lang="en-US" smtClean="0"/>
               <a:pPr/>
-              <a:t>10/11/2016</a:t>
+              <a:t>10/12/2016</a:t>
             </a:fld>
             <a:endParaRPr lang="en-US"/>
           </a:p>
@@ -1054,7 +1057,7 @@
             <a:fld id="{1B73288E-874A-47DE-9914-02496ECAAC46}" type="datetimeFigureOut">
               <a:rPr lang="en-US" smtClean="0"/>
               <a:pPr/>
-              <a:t>10/11/2016</a:t>
+              <a:t>10/12/2016</a:t>
             </a:fld>
             <a:endParaRPr lang="en-US"/>
           </a:p>
@@ -1339,7 +1342,7 @@
             <a:fld id="{1B73288E-874A-47DE-9914-02496ECAAC46}" type="datetimeFigureOut">
               <a:rPr lang="en-US" smtClean="0"/>
               <a:pPr/>
-              <a:t>10/11/2016</a:t>
+              <a:t>10/12/2016</a:t>
             </a:fld>
             <a:endParaRPr lang="en-US"/>
           </a:p>
@@ -1758,7 +1761,7 @@
             <a:fld id="{1B73288E-874A-47DE-9914-02496ECAAC46}" type="datetimeFigureOut">
               <a:rPr lang="en-US" smtClean="0"/>
               <a:pPr/>
-              <a:t>10/11/2016</a:t>
+              <a:t>10/12/2016</a:t>
             </a:fld>
             <a:endParaRPr lang="en-US"/>
           </a:p>
@@ -1873,7 +1876,7 @@
             <a:fld id="{1B73288E-874A-47DE-9914-02496ECAAC46}" type="datetimeFigureOut">
               <a:rPr lang="en-US" smtClean="0"/>
               <a:pPr/>
-              <a:t>10/11/2016</a:t>
+              <a:t>10/12/2016</a:t>
             </a:fld>
             <a:endParaRPr lang="en-US"/>
           </a:p>
@@ -1965,7 +1968,7 @@
             <a:fld id="{1B73288E-874A-47DE-9914-02496ECAAC46}" type="datetimeFigureOut">
               <a:rPr lang="en-US" smtClean="0"/>
               <a:pPr/>
-              <a:t>10/11/2016</a:t>
+              <a:t>10/12/2016</a:t>
             </a:fld>
             <a:endParaRPr lang="en-US"/>
           </a:p>
@@ -2239,7 +2242,7 @@
             <a:fld id="{1B73288E-874A-47DE-9914-02496ECAAC46}" type="datetimeFigureOut">
               <a:rPr lang="en-US" smtClean="0"/>
               <a:pPr/>
-              <a:t>10/11/2016</a:t>
+              <a:t>10/12/2016</a:t>
             </a:fld>
             <a:endParaRPr lang="en-US"/>
           </a:p>
@@ -2489,7 +2492,7 @@
             <a:fld id="{1B73288E-874A-47DE-9914-02496ECAAC46}" type="datetimeFigureOut">
               <a:rPr lang="en-US" smtClean="0"/>
               <a:pPr/>
-              <a:t>10/11/2016</a:t>
+              <a:t>10/12/2016</a:t>
             </a:fld>
             <a:endParaRPr lang="en-US"/>
           </a:p>
@@ -2699,7 +2702,7 @@
             <a:fld id="{1B73288E-874A-47DE-9914-02496ECAAC46}" type="datetimeFigureOut">
               <a:rPr lang="en-US" smtClean="0"/>
               <a:pPr/>
-              <a:t>10/11/2016</a:t>
+              <a:t>10/12/2016</a:t>
             </a:fld>
             <a:endParaRPr lang="en-US"/>
           </a:p>
@@ -3087,7 +3090,11 @@
           <a:p>
             <a:r>
               <a:rPr lang="en-US" dirty="0" smtClean="0"/>
-              <a:t>Personal Analytics tools I am using</a:t>
+              <a:t>Personal Analytics </a:t>
+            </a:r>
+            <a:r>
+              <a:rPr lang="en-US" dirty="0" smtClean="0"/>
+              <a:t>tools (Desktop)</a:t>
             </a:r>
             <a:endParaRPr lang="en-US" dirty="0"/>
           </a:p>
@@ -3134,41 +3141,6 @@
           </a:p>
           <a:p>
             <a:endParaRPr lang="en-US" dirty="0"/>
-          </a:p>
-          <a:p>
-            <a:r>
-              <a:rPr lang="en-US" sz="3000" dirty="0" smtClean="0"/>
-              <a:t>Downloaded from following corresponding links</a:t>
-            </a:r>
-          </a:p>
-          <a:p>
-            <a:r>
-              <a:rPr lang="en-US" sz="2400" dirty="0" smtClean="0">
-                <a:hlinkClick r:id="rId2"/>
-              </a:rPr>
-              <a:t>http://www.worktime.com/personal/</a:t>
-            </a:r>
-          </a:p>
-          <a:p>
-            <a:r>
-              <a:rPr lang="en-US" sz="2400" dirty="0" smtClean="0">
-                <a:hlinkClick r:id="rId2"/>
-              </a:rPr>
-              <a:t>http://www.manictime.com/</a:t>
-            </a:r>
-            <a:endParaRPr lang="en-US" sz="2400" dirty="0" smtClean="0"/>
-          </a:p>
-          <a:p>
-            <a:r>
-              <a:rPr lang="en-US" sz="2400" dirty="0" smtClean="0">
-                <a:hlinkClick r:id="rId3"/>
-              </a:rPr>
-              <a:t>http://www.neuber.com/timeanalyzer/index.html</a:t>
-            </a:r>
-            <a:endParaRPr lang="en-US" sz="2400" dirty="0" smtClean="0"/>
-          </a:p>
-          <a:p>
-            <a:endParaRPr lang="en-US" sz="3000" dirty="0"/>
           </a:p>
         </p:txBody>
       </p:sp>
@@ -3188,163 +3160,6 @@
 </file>
 
 <file path=ppt/slides/slide10.xml><?xml version="1.0" encoding="utf-8"?>
-<p:sld xmlns:a="http://schemas.openxmlformats.org/drawingml/2006/main" xmlns:r="http://schemas.openxmlformats.org/officeDocument/2006/relationships" xmlns:p="http://schemas.openxmlformats.org/presentationml/2006/main">
-  <p:cSld>
-    <p:spTree>
-      <p:nvGrpSpPr>
-        <p:cNvPr id="1" name=""/>
-        <p:cNvGrpSpPr/>
-        <p:nvPr/>
-      </p:nvGrpSpPr>
-      <p:grpSpPr>
-        <a:xfrm>
-          <a:off x="0" y="0"/>
-          <a:ext cx="0" cy="0"/>
-          <a:chOff x="0" y="0"/>
-          <a:chExt cx="0" cy="0"/>
-        </a:xfrm>
-      </p:grpSpPr>
-      <p:sp>
-        <p:nvSpPr>
-          <p:cNvPr id="2" name="Title 1"/>
-          <p:cNvSpPr>
-            <a:spLocks noGrp="1"/>
-          </p:cNvSpPr>
-          <p:nvPr>
-            <p:ph type="title"/>
-          </p:nvPr>
-        </p:nvSpPr>
-        <p:spPr/>
-        <p:txBody>
-          <a:bodyPr/>
-          <a:lstStyle/>
-          <a:p>
-            <a:r>
-              <a:rPr lang="en-US" dirty="0" smtClean="0"/>
-              <a:t>Personal Visualization for Learning</a:t>
-            </a:r>
-            <a:endParaRPr lang="en-US" dirty="0"/>
-          </a:p>
-        </p:txBody>
-      </p:sp>
-      <p:sp>
-        <p:nvSpPr>
-          <p:cNvPr id="3" name="Content Placeholder 2"/>
-          <p:cNvSpPr>
-            <a:spLocks noGrp="1"/>
-          </p:cNvSpPr>
-          <p:nvPr>
-            <p:ph idx="1"/>
-          </p:nvPr>
-        </p:nvSpPr>
-        <p:spPr>
-          <a:xfrm>
-            <a:off x="0" y="1600200"/>
-            <a:ext cx="9144000" cy="5257800"/>
-          </a:xfrm>
-          <a:ln>
-            <a:solidFill>
-              <a:schemeClr val="bg1"/>
-            </a:solidFill>
-          </a:ln>
-        </p:spPr>
-        <p:txBody>
-          <a:bodyPr>
-            <a:normAutofit/>
-          </a:bodyPr>
-          <a:lstStyle/>
-          <a:p>
-            <a:r>
-              <a:rPr lang="en-US" dirty="0" smtClean="0"/>
-              <a:t>Research Problem:</a:t>
-            </a:r>
-          </a:p>
-          <a:p>
-            <a:pPr lvl="1">
-              <a:buFont typeface="Wingdings" pitchFamily="2" charset="2"/>
-              <a:buChar char="Ø"/>
-            </a:pPr>
-            <a:r>
-              <a:rPr lang="en-US" sz="2400" dirty="0" smtClean="0"/>
-              <a:t>Grade, </a:t>
-            </a:r>
-            <a:r>
-              <a:rPr lang="en-US" sz="2400" dirty="0" err="1" smtClean="0"/>
-              <a:t>Weightage</a:t>
-            </a:r>
-            <a:r>
-              <a:rPr lang="en-US" sz="2400" dirty="0" smtClean="0"/>
-              <a:t>, Attendance etc</a:t>
-            </a:r>
-          </a:p>
-          <a:p>
-            <a:pPr lvl="1">
-              <a:buFont typeface="Wingdings" pitchFamily="2" charset="2"/>
-              <a:buChar char="Ø"/>
-            </a:pPr>
-            <a:r>
-              <a:rPr lang="en-US" sz="2400" dirty="0" smtClean="0"/>
-              <a:t>Data on personal learning is lacking</a:t>
-            </a:r>
-          </a:p>
-          <a:p>
-            <a:pPr>
-              <a:buNone/>
-            </a:pPr>
-            <a:endParaRPr lang="en-US" dirty="0"/>
-          </a:p>
-          <a:p>
-            <a:r>
-              <a:rPr lang="en-US" dirty="0" smtClean="0"/>
-              <a:t>Solution:</a:t>
-            </a:r>
-          </a:p>
-          <a:p>
-            <a:pPr lvl="1">
-              <a:buFont typeface="Wingdings" pitchFamily="2" charset="2"/>
-              <a:buChar char="Ø"/>
-            </a:pPr>
-            <a:r>
-              <a:rPr lang="en-US" sz="2400" dirty="0" smtClean="0"/>
-              <a:t>Personal Data </a:t>
-            </a:r>
-            <a:r>
-              <a:rPr lang="en-US" sz="2400" dirty="0" smtClean="0">
-                <a:sym typeface="Wingdings" pitchFamily="2" charset="2"/>
-              </a:rPr>
-              <a:t> Personal Visualization  Personal Learning</a:t>
-            </a:r>
-          </a:p>
-          <a:p>
-            <a:pPr lvl="1">
-              <a:buFont typeface="Wingdings" pitchFamily="2" charset="2"/>
-              <a:buChar char="Ø"/>
-            </a:pPr>
-            <a:r>
-              <a:rPr lang="en-US" sz="2400" dirty="0" smtClean="0">
-                <a:sym typeface="Wingdings" pitchFamily="2" charset="2"/>
-              </a:rPr>
-              <a:t>Dynamically and regularly update personal data</a:t>
-            </a:r>
-          </a:p>
-        </p:txBody>
-      </p:sp>
-    </p:spTree>
-  </p:cSld>
-  <p:clrMapOvr>
-    <a:masterClrMapping/>
-  </p:clrMapOvr>
-  <p:timing>
-    <p:tnLst>
-      <p:par>
-        <p:cTn id="1" dur="indefinite" restart="never" nodeType="tmRoot"/>
-      </p:par>
-    </p:tnLst>
-  </p:timing>
-</p:sld>
-</file>
-
-<file path=ppt/slides/slide11.xml><?xml version="1.0" encoding="utf-8"?>
 <p:sld xmlns:a="http://schemas.openxmlformats.org/drawingml/2006/main" xmlns:r="http://schemas.openxmlformats.org/officeDocument/2006/relationships" xmlns:p="http://schemas.openxmlformats.org/presentationml/2006/main">
   <p:cSld>
     <p:spTree>
@@ -3687,6 +3502,111 @@
 </p:sld>
 </file>
 
+<file path=ppt/slides/slide11.xml><?xml version="1.0" encoding="utf-8"?>
+<p:sld xmlns:a="http://schemas.openxmlformats.org/drawingml/2006/main" xmlns:r="http://schemas.openxmlformats.org/officeDocument/2006/relationships" xmlns:p="http://schemas.openxmlformats.org/presentationml/2006/main">
+  <p:cSld>
+    <p:spTree>
+      <p:nvGrpSpPr>
+        <p:cNvPr id="1" name=""/>
+        <p:cNvGrpSpPr/>
+        <p:nvPr/>
+      </p:nvGrpSpPr>
+      <p:grpSpPr>
+        <a:xfrm>
+          <a:off x="0" y="0"/>
+          <a:ext cx="0" cy="0"/>
+          <a:chOff x="0" y="0"/>
+          <a:chExt cx="0" cy="0"/>
+        </a:xfrm>
+      </p:grpSpPr>
+      <p:sp>
+        <p:nvSpPr>
+          <p:cNvPr id="2" name="Title 1"/>
+          <p:cNvSpPr>
+            <a:spLocks noGrp="1"/>
+          </p:cNvSpPr>
+          <p:nvPr>
+            <p:ph type="title"/>
+          </p:nvPr>
+        </p:nvSpPr>
+        <p:spPr/>
+        <p:txBody>
+          <a:bodyPr/>
+          <a:lstStyle/>
+          <a:p>
+            <a:r>
+              <a:rPr lang="en-US" dirty="0" smtClean="0"/>
+              <a:t>Personal Visualization for Learning</a:t>
+            </a:r>
+            <a:endParaRPr lang="en-US" dirty="0"/>
+          </a:p>
+        </p:txBody>
+      </p:sp>
+      <p:sp>
+        <p:nvSpPr>
+          <p:cNvPr id="3" name="Content Placeholder 2"/>
+          <p:cNvSpPr>
+            <a:spLocks noGrp="1"/>
+          </p:cNvSpPr>
+          <p:nvPr>
+            <p:ph idx="1"/>
+          </p:nvPr>
+        </p:nvSpPr>
+        <p:spPr/>
+        <p:txBody>
+          <a:bodyPr/>
+          <a:lstStyle/>
+          <a:p>
+            <a:r>
+              <a:rPr lang="en-US" dirty="0" smtClean="0"/>
+              <a:t>Challenges</a:t>
+            </a:r>
+            <a:r>
+              <a:rPr lang="en-US" dirty="0" smtClean="0"/>
+              <a:t>:</a:t>
+            </a:r>
+            <a:endParaRPr lang="en-US" dirty="0" smtClean="0"/>
+          </a:p>
+          <a:p>
+            <a:pPr lvl="1">
+              <a:buFont typeface="Wingdings" pitchFamily="2" charset="2"/>
+              <a:buChar char="Ø"/>
+            </a:pPr>
+            <a:r>
+              <a:rPr lang="en-US" sz="2400" dirty="0" smtClean="0"/>
+              <a:t>Intrusion into personal life</a:t>
+            </a:r>
+          </a:p>
+          <a:p>
+            <a:pPr lvl="1">
+              <a:buFont typeface="Wingdings" pitchFamily="2" charset="2"/>
+              <a:buChar char="Ø"/>
+            </a:pPr>
+            <a:r>
+              <a:rPr lang="en-US" sz="2400" dirty="0" smtClean="0"/>
+              <a:t>Security and anonymization priority</a:t>
+            </a:r>
+          </a:p>
+          <a:p>
+            <a:endParaRPr lang="en-US" dirty="0"/>
+          </a:p>
+        </p:txBody>
+      </p:sp>
+    </p:spTree>
+  </p:cSld>
+  <p:clrMapOvr>
+    <a:masterClrMapping/>
+  </p:clrMapOvr>
+  <p:timing>
+    <p:tnLst>
+      <p:par>
+        <p:cTn id="1" dur="indefinite" restart="never" nodeType="tmRoot"/>
+      </p:par>
+    </p:tnLst>
+  </p:timing>
+</p:sld>
+</file>
+
 <file path=ppt/slides/slide12.xml><?xml version="1.0" encoding="utf-8"?>
 <p:sld xmlns:a="http://schemas.openxmlformats.org/drawingml/2006/main" xmlns:r="http://schemas.openxmlformats.org/officeDocument/2006/relationships" xmlns:p="http://schemas.openxmlformats.org/presentationml/2006/main">
   <p:cSld>
@@ -3716,12 +3636,26 @@
         </p:nvSpPr>
         <p:spPr/>
         <p:txBody>
-          <a:bodyPr/>
-          <a:lstStyle/>
-          <a:p>
-            <a:r>
-              <a:rPr lang="en-US" dirty="0" smtClean="0"/>
-              <a:t>Personal Visualization for Learning</a:t>
+          <a:bodyPr>
+            <a:normAutofit fontScale="90000"/>
+          </a:bodyPr>
+          <a:lstStyle/>
+          <a:p>
+            <a:r>
+              <a:rPr lang="en-US" b="1" dirty="0" smtClean="0"/>
+              <a:t>A Stage-Based Model +</a:t>
+            </a:r>
+            <a:br>
+              <a:rPr lang="en-US" b="1" dirty="0" smtClean="0"/>
+            </a:br>
+            <a:r>
+              <a:rPr lang="en-US" b="1" dirty="0" smtClean="0"/>
+              <a:t>of Personal Informatics </a:t>
+            </a:r>
+            <a:r>
+              <a:rPr lang="en-US" b="1" dirty="0" smtClean="0"/>
+              <a:t>Systems</a:t>
             </a:r>
             <a:endParaRPr lang="en-US" dirty="0"/>
           </a:p>
@@ -3737,18 +3671,27 @@
             <p:ph idx="1"/>
           </p:nvPr>
         </p:nvSpPr>
-        <p:spPr/>
-        <p:txBody>
-          <a:bodyPr/>
-          <a:lstStyle/>
-          <a:p>
-            <a:r>
-              <a:rPr lang="en-US" dirty="0" smtClean="0"/>
-              <a:t>Limitations</a:t>
-            </a:r>
-            <a:r>
-              <a:rPr lang="en-US" dirty="0" smtClean="0"/>
-              <a:t>:</a:t>
+        <p:spPr>
+          <a:xfrm>
+            <a:off x="304800" y="1752600"/>
+            <a:ext cx="8610600" cy="4724400"/>
+          </a:xfrm>
+        </p:spPr>
+        <p:txBody>
+          <a:bodyPr>
+            <a:normAutofit fontScale="92500" lnSpcReduction="20000"/>
+          </a:bodyPr>
+          <a:lstStyle/>
+          <a:p>
+            <a:r>
+              <a:rPr lang="en-US" sz="3500" dirty="0" smtClean="0"/>
+              <a:t>5 stages</a:t>
+            </a:r>
+          </a:p>
+          <a:p>
+            <a:r>
+              <a:rPr lang="en-US" sz="3500" dirty="0" smtClean="0"/>
+              <a:t>4 properties</a:t>
             </a:r>
           </a:p>
           <a:p>
@@ -3757,9 +3700,403 @@
               <a:buChar char="Ø"/>
             </a:pPr>
             <a:r>
-              <a:rPr lang="en-US" sz="2400" dirty="0" smtClean="0"/>
-              <a:t>Intrusion into personal life</a:t>
-            </a:r>
+              <a:rPr lang="en-US" sz="3000" dirty="0" smtClean="0"/>
+              <a:t>Design guidelines</a:t>
+            </a:r>
+          </a:p>
+          <a:p>
+            <a:pPr>
+              <a:buNone/>
+            </a:pPr>
+            <a:endParaRPr lang="en-US" dirty="0" smtClean="0"/>
+          </a:p>
+          <a:p>
+            <a:pPr>
+              <a:buNone/>
+            </a:pPr>
+            <a:endParaRPr lang="en-US" dirty="0" smtClean="0"/>
+          </a:p>
+          <a:p>
+            <a:pPr>
+              <a:buNone/>
+            </a:pPr>
+            <a:r>
+              <a:rPr lang="en-US" b="1" dirty="0" smtClean="0"/>
+              <a:t>				</a:t>
+            </a:r>
+            <a:r>
+              <a:rPr lang="en-US" sz="3500" b="1" dirty="0" smtClean="0"/>
+              <a:t>Ian Li</a:t>
+            </a:r>
+            <a:br>
+              <a:rPr lang="en-US" sz="3500" b="1" dirty="0" smtClean="0"/>
+            </a:br>
+            <a:r>
+              <a:rPr lang="en-US" sz="3500" b="1" dirty="0" smtClean="0"/>
+              <a:t>			</a:t>
+            </a:r>
+            <a:r>
+              <a:rPr lang="en-US" sz="3500" dirty="0" err="1" smtClean="0"/>
+              <a:t>Anind</a:t>
+            </a:r>
+            <a:r>
+              <a:rPr lang="en-US" sz="3500" dirty="0" smtClean="0"/>
+              <a:t> </a:t>
+            </a:r>
+            <a:r>
+              <a:rPr lang="en-US" sz="3500" dirty="0" err="1" smtClean="0"/>
+              <a:t>Dey</a:t>
+            </a:r>
+            <a:r>
+              <a:rPr lang="en-US" sz="3500" dirty="0" smtClean="0"/>
+              <a:t/>
+            </a:r>
+            <a:br>
+              <a:rPr lang="en-US" sz="3500" dirty="0" smtClean="0"/>
+            </a:br>
+            <a:r>
+              <a:rPr lang="en-US" sz="3500" dirty="0" smtClean="0"/>
+              <a:t>			Jodi </a:t>
+            </a:r>
+            <a:r>
+              <a:rPr lang="en-US" sz="3500" dirty="0" err="1" smtClean="0"/>
+              <a:t>Forlizzi</a:t>
+            </a:r>
+            <a:r>
+              <a:rPr lang="en-US" sz="3500" dirty="0" smtClean="0"/>
+              <a:t/>
+            </a:r>
+            <a:br>
+              <a:rPr lang="en-US" sz="3500" dirty="0" smtClean="0"/>
+            </a:br>
+            <a:r>
+              <a:rPr lang="en-US" sz="3500" dirty="0" smtClean="0"/>
+              <a:t>			HCII, Carnegie Mellon University </a:t>
+            </a:r>
+            <a:r>
+              <a:rPr lang="en-US" dirty="0" smtClean="0"/>
+              <a:t/>
+            </a:r>
+            <a:br>
+              <a:rPr lang="en-US" dirty="0" smtClean="0"/>
+            </a:br>
+            <a:endParaRPr lang="en-US" dirty="0" smtClean="0"/>
+          </a:p>
+        </p:txBody>
+      </p:sp>
+    </p:spTree>
+  </p:cSld>
+  <p:clrMapOvr>
+    <a:masterClrMapping/>
+  </p:clrMapOvr>
+  <p:timing>
+    <p:tnLst>
+      <p:par>
+        <p:cTn id="1" dur="indefinite" restart="never" nodeType="tmRoot"/>
+      </p:par>
+    </p:tnLst>
+  </p:timing>
+</p:sld>
+</file>
+
+<file path=ppt/slides/slide13.xml><?xml version="1.0" encoding="utf-8"?>
+<p:sld xmlns:a="http://schemas.openxmlformats.org/drawingml/2006/main" xmlns:r="http://schemas.openxmlformats.org/officeDocument/2006/relationships" xmlns:p="http://schemas.openxmlformats.org/presentationml/2006/main">
+  <p:cSld>
+    <p:spTree>
+      <p:nvGrpSpPr>
+        <p:cNvPr id="1" name=""/>
+        <p:cNvGrpSpPr/>
+        <p:nvPr/>
+      </p:nvGrpSpPr>
+      <p:grpSpPr>
+        <a:xfrm>
+          <a:off x="0" y="0"/>
+          <a:ext cx="0" cy="0"/>
+          <a:chOff x="0" y="0"/>
+          <a:chExt cx="0" cy="0"/>
+        </a:xfrm>
+      </p:grpSpPr>
+      <p:sp>
+        <p:nvSpPr>
+          <p:cNvPr id="2" name="Title 1"/>
+          <p:cNvSpPr>
+            <a:spLocks noGrp="1"/>
+          </p:cNvSpPr>
+          <p:nvPr>
+            <p:ph type="title"/>
+          </p:nvPr>
+        </p:nvSpPr>
+        <p:spPr/>
+        <p:txBody>
+          <a:bodyPr>
+            <a:normAutofit/>
+          </a:bodyPr>
+          <a:lstStyle/>
+          <a:p>
+            <a:r>
+              <a:rPr lang="en-US" b="1" dirty="0" smtClean="0"/>
+              <a:t>Model of Personal Informatics</a:t>
+            </a:r>
+            <a:r>
+              <a:rPr lang="en-US" dirty="0" smtClean="0"/>
+              <a:t> </a:t>
+            </a:r>
+            <a:endParaRPr lang="en-US" dirty="0"/>
+          </a:p>
+        </p:txBody>
+      </p:sp>
+      <p:sp>
+        <p:nvSpPr>
+          <p:cNvPr id="3" name="Content Placeholder 2"/>
+          <p:cNvSpPr>
+            <a:spLocks noGrp="1"/>
+          </p:cNvSpPr>
+          <p:nvPr>
+            <p:ph idx="1"/>
+          </p:nvPr>
+        </p:nvSpPr>
+        <p:spPr>
+          <a:xfrm>
+            <a:off x="457200" y="1600200"/>
+            <a:ext cx="8305800" cy="4525963"/>
+          </a:xfrm>
+        </p:spPr>
+        <p:txBody>
+          <a:bodyPr>
+            <a:normAutofit lnSpcReduction="10000"/>
+          </a:bodyPr>
+          <a:lstStyle/>
+          <a:p>
+            <a:endParaRPr lang="en-US" dirty="0" smtClean="0"/>
+          </a:p>
+          <a:p>
+            <a:endParaRPr lang="en-US" dirty="0" smtClean="0"/>
+          </a:p>
+          <a:p>
+            <a:endParaRPr lang="en-US" dirty="0" smtClean="0"/>
+          </a:p>
+          <a:p>
+            <a:endParaRPr lang="en-US" dirty="0" smtClean="0"/>
+          </a:p>
+          <a:p>
+            <a:pPr>
+              <a:buNone/>
+            </a:pPr>
+            <a:r>
+              <a:rPr lang="en-US" dirty="0" smtClean="0"/>
+              <a:t>1</a:t>
+            </a:r>
+            <a:r>
+              <a:rPr lang="en-US" dirty="0" smtClean="0"/>
+              <a:t>.  Barriers </a:t>
+            </a:r>
+            <a:r>
+              <a:rPr lang="en-US" dirty="0" smtClean="0"/>
+              <a:t>cascade.</a:t>
+            </a:r>
+          </a:p>
+          <a:p>
+            <a:pPr>
+              <a:buNone/>
+            </a:pPr>
+            <a:r>
+              <a:rPr lang="en-US" dirty="0" smtClean="0"/>
+              <a:t>2</a:t>
+            </a:r>
+            <a:r>
+              <a:rPr lang="en-US" dirty="0" smtClean="0"/>
+              <a:t>.  Stages are iterative</a:t>
+            </a:r>
+            <a:r>
+              <a:rPr lang="en-US" dirty="0" smtClean="0"/>
+              <a:t>.			Design</a:t>
+            </a:r>
+          </a:p>
+          <a:p>
+            <a:pPr>
+              <a:buNone/>
+            </a:pPr>
+            <a:r>
+              <a:rPr lang="en-US" dirty="0" smtClean="0"/>
+              <a:t>3</a:t>
+            </a:r>
+            <a:r>
+              <a:rPr lang="en-US" dirty="0" smtClean="0"/>
+              <a:t>.  User- vs. </a:t>
+            </a:r>
+            <a:r>
+              <a:rPr lang="en-US" dirty="0" smtClean="0"/>
+              <a:t>System-driven			guidelines</a:t>
+            </a:r>
+          </a:p>
+          <a:p>
+            <a:pPr>
+              <a:buNone/>
+            </a:pPr>
+            <a:r>
+              <a:rPr lang="en-US" dirty="0" smtClean="0"/>
+              <a:t>4</a:t>
+            </a:r>
+            <a:r>
+              <a:rPr lang="en-US" dirty="0" smtClean="0"/>
+              <a:t>.  Facets </a:t>
+            </a:r>
+            <a:endParaRPr lang="en-US" dirty="0"/>
+          </a:p>
+        </p:txBody>
+      </p:sp>
+      <p:pic>
+        <p:nvPicPr>
+          <p:cNvPr id="22530" name="Picture 2" descr="C:\Users\ONLY\Desktop\t1.JPG"/>
+          <p:cNvPicPr>
+            <a:picLocks noChangeAspect="1" noChangeArrowheads="1"/>
+          </p:cNvPicPr>
+          <p:nvPr/>
+        </p:nvPicPr>
+        <p:blipFill>
+          <a:blip r:embed="rId2"/>
+          <a:srcRect/>
+          <a:stretch>
+            <a:fillRect/>
+          </a:stretch>
+        </p:blipFill>
+        <p:spPr bwMode="auto">
+          <a:xfrm>
+            <a:off x="1447800" y="1828799"/>
+            <a:ext cx="6248400" cy="1644316"/>
+          </a:xfrm>
+          <a:prstGeom prst="rect">
+            <a:avLst/>
+          </a:prstGeom>
+          <a:noFill/>
+        </p:spPr>
+      </p:pic>
+      <p:sp>
+        <p:nvSpPr>
+          <p:cNvPr id="5" name="Right Brace 4"/>
+          <p:cNvSpPr/>
+          <p:nvPr/>
+        </p:nvSpPr>
+        <p:spPr>
+          <a:xfrm>
+            <a:off x="5410200" y="3962400"/>
+            <a:ext cx="838200" cy="1828800"/>
+          </a:xfrm>
+          <a:prstGeom prst="rightBrace">
+            <a:avLst>
+              <a:gd name="adj1" fmla="val 8333"/>
+              <a:gd name="adj2" fmla="val 50704"/>
+            </a:avLst>
+          </a:prstGeom>
+        </p:spPr>
+        <p:style>
+          <a:lnRef idx="1">
+            <a:schemeClr val="accent1"/>
+          </a:lnRef>
+          <a:fillRef idx="0">
+            <a:schemeClr val="accent1"/>
+          </a:fillRef>
+          <a:effectRef idx="0">
+            <a:schemeClr val="accent1"/>
+          </a:effectRef>
+          <a:fontRef idx="minor">
+            <a:schemeClr val="tx1"/>
+          </a:fontRef>
+        </p:style>
+        <p:txBody>
+          <a:bodyPr rtlCol="0" anchor="ctr"/>
+          <a:lstStyle/>
+          <a:p>
+            <a:pPr algn="ctr"/>
+            <a:endParaRPr lang="en-US"/>
+          </a:p>
+        </p:txBody>
+      </p:sp>
+    </p:spTree>
+  </p:cSld>
+  <p:clrMapOvr>
+    <a:masterClrMapping/>
+  </p:clrMapOvr>
+  <p:timing>
+    <p:tnLst>
+      <p:par>
+        <p:cTn id="1" dur="indefinite" restart="never" nodeType="tmRoot"/>
+      </p:par>
+    </p:tnLst>
+  </p:timing>
+</p:sld>
+</file>
+
+<file path=ppt/slides/slide14.xml><?xml version="1.0" encoding="utf-8"?>
+<p:sld xmlns:a="http://schemas.openxmlformats.org/drawingml/2006/main" xmlns:r="http://schemas.openxmlformats.org/officeDocument/2006/relationships" xmlns:p="http://schemas.openxmlformats.org/presentationml/2006/main">
+  <p:cSld>
+    <p:spTree>
+      <p:nvGrpSpPr>
+        <p:cNvPr id="1" name=""/>
+        <p:cNvGrpSpPr/>
+        <p:nvPr/>
+      </p:nvGrpSpPr>
+      <p:grpSpPr>
+        <a:xfrm>
+          <a:off x="0" y="0"/>
+          <a:ext cx="0" cy="0"/>
+          <a:chOff x="0" y="0"/>
+          <a:chExt cx="0" cy="0"/>
+        </a:xfrm>
+      </p:grpSpPr>
+      <p:sp>
+        <p:nvSpPr>
+          <p:cNvPr id="2" name="Title 1"/>
+          <p:cNvSpPr>
+            <a:spLocks noGrp="1"/>
+          </p:cNvSpPr>
+          <p:nvPr>
+            <p:ph type="title"/>
+          </p:nvPr>
+        </p:nvSpPr>
+        <p:spPr/>
+        <p:txBody>
+          <a:bodyPr>
+            <a:normAutofit/>
+          </a:bodyPr>
+          <a:lstStyle/>
+          <a:p>
+            <a:r>
+              <a:rPr lang="en-US" b="1" dirty="0" smtClean="0"/>
+              <a:t>Contribution</a:t>
+            </a:r>
+            <a:endParaRPr lang="en-US" b="1" dirty="0"/>
+          </a:p>
+        </p:txBody>
+      </p:sp>
+      <p:sp>
+        <p:nvSpPr>
+          <p:cNvPr id="3" name="Content Placeholder 2"/>
+          <p:cNvSpPr>
+            <a:spLocks noGrp="1"/>
+          </p:cNvSpPr>
+          <p:nvPr>
+            <p:ph idx="1"/>
+          </p:nvPr>
+        </p:nvSpPr>
+        <p:spPr/>
+        <p:txBody>
+          <a:bodyPr/>
+          <a:lstStyle/>
+          <a:p>
+            <a:r>
+              <a:rPr lang="en-US" b="1" dirty="0" smtClean="0"/>
+              <a:t>Barriers </a:t>
+            </a:r>
+            <a:r>
+              <a:rPr lang="en-US" b="1" dirty="0" smtClean="0"/>
+              <a:t>and Model</a:t>
+            </a:r>
+            <a:r>
+              <a:rPr lang="en-US" dirty="0" smtClean="0"/>
+              <a:t> </a:t>
+            </a:r>
+            <a:endParaRPr lang="en-US" dirty="0" smtClean="0"/>
           </a:p>
           <a:p>
             <a:pPr lvl="1">
@@ -3767,16 +4104,240 @@
               <a:buChar char="Ø"/>
             </a:pPr>
             <a:r>
+              <a:rPr lang="en-US" dirty="0" smtClean="0"/>
+              <a:t>Identified </a:t>
+            </a:r>
+            <a:r>
+              <a:rPr lang="en-US" dirty="0" smtClean="0"/>
+              <a:t>a list of </a:t>
+            </a:r>
+            <a:r>
+              <a:rPr lang="en-US" dirty="0" smtClean="0"/>
+              <a:t>problems</a:t>
+            </a:r>
+          </a:p>
+          <a:p>
+            <a:pPr lvl="1">
+              <a:buFont typeface="Wingdings" pitchFamily="2" charset="2"/>
+              <a:buChar char="Ø"/>
+            </a:pPr>
+            <a:r>
+              <a:rPr lang="en-US" dirty="0" smtClean="0"/>
+              <a:t>Defined </a:t>
+            </a:r>
+            <a:r>
+              <a:rPr lang="en-US" dirty="0" smtClean="0"/>
+              <a:t>a model of personal </a:t>
+            </a:r>
+            <a:r>
+              <a:rPr lang="en-US" dirty="0" smtClean="0"/>
+              <a:t>informatics</a:t>
+            </a:r>
+          </a:p>
+          <a:p>
+            <a:r>
+              <a:rPr lang="en-US" b="1" dirty="0" smtClean="0"/>
+              <a:t>Design </a:t>
+            </a:r>
+            <a:r>
+              <a:rPr lang="en-US" b="1" dirty="0" smtClean="0"/>
+              <a:t>Guidelines</a:t>
+            </a:r>
+            <a:r>
+              <a:rPr lang="en-US" dirty="0" smtClean="0"/>
+              <a:t> </a:t>
+            </a:r>
+            <a:endParaRPr lang="en-US" dirty="0" smtClean="0"/>
+          </a:p>
+          <a:p>
+            <a:pPr lvl="1">
+              <a:buFont typeface="Wingdings" pitchFamily="2" charset="2"/>
+              <a:buChar char="Ø"/>
+            </a:pPr>
+            <a:r>
+              <a:rPr lang="en-US" dirty="0" smtClean="0"/>
+              <a:t>Described </a:t>
+            </a:r>
+            <a:r>
+              <a:rPr lang="en-US" dirty="0" smtClean="0"/>
+              <a:t>4 properties with implications </a:t>
+            </a:r>
+            <a:r>
+              <a:rPr lang="en-US" dirty="0" smtClean="0"/>
+              <a:t>for</a:t>
+            </a:r>
+          </a:p>
+          <a:p>
+            <a:pPr lvl="1">
+              <a:buNone/>
+            </a:pPr>
+            <a:r>
+              <a:rPr lang="en-US" dirty="0" smtClean="0"/>
+              <a:t>	</a:t>
+            </a:r>
+            <a:r>
+              <a:rPr lang="en-US" dirty="0" smtClean="0"/>
+              <a:t>design </a:t>
+            </a:r>
+            <a:r>
+              <a:rPr lang="en-US" dirty="0" smtClean="0"/>
+              <a:t>of personal informatics systems </a:t>
+            </a:r>
+            <a:br>
+              <a:rPr lang="en-US" dirty="0" smtClean="0"/>
+            </a:br>
+            <a:endParaRPr lang="en-US" dirty="0"/>
+          </a:p>
+        </p:txBody>
+      </p:sp>
+    </p:spTree>
+  </p:cSld>
+  <p:clrMapOvr>
+    <a:masterClrMapping/>
+  </p:clrMapOvr>
+  <p:timing>
+    <p:tnLst>
+      <p:par>
+        <p:cTn id="1" dur="indefinite" restart="never" nodeType="tmRoot"/>
+      </p:par>
+    </p:tnLst>
+  </p:timing>
+</p:sld>
+</file>
+
+<file path=ppt/slides/slide15.xml><?xml version="1.0" encoding="utf-8"?>
+<p:sld xmlns:a="http://schemas.openxmlformats.org/drawingml/2006/main" xmlns:r="http://schemas.openxmlformats.org/officeDocument/2006/relationships" xmlns:p="http://schemas.openxmlformats.org/presentationml/2006/main">
+  <p:cSld>
+    <p:spTree>
+      <p:nvGrpSpPr>
+        <p:cNvPr id="1" name=""/>
+        <p:cNvGrpSpPr/>
+        <p:nvPr/>
+      </p:nvGrpSpPr>
+      <p:grpSpPr>
+        <a:xfrm>
+          <a:off x="0" y="0"/>
+          <a:ext cx="0" cy="0"/>
+          <a:chOff x="0" y="0"/>
+          <a:chExt cx="0" cy="0"/>
+        </a:xfrm>
+      </p:grpSpPr>
+      <p:sp>
+        <p:nvSpPr>
+          <p:cNvPr id="2" name="Title 1"/>
+          <p:cNvSpPr>
+            <a:spLocks noGrp="1"/>
+          </p:cNvSpPr>
+          <p:nvPr>
+            <p:ph type="title"/>
+          </p:nvPr>
+        </p:nvSpPr>
+        <p:spPr/>
+        <p:txBody>
+          <a:bodyPr/>
+          <a:lstStyle/>
+          <a:p>
+            <a:r>
+              <a:rPr lang="en-US" dirty="0" smtClean="0"/>
+              <a:t>References</a:t>
+            </a:r>
+            <a:endParaRPr lang="en-US" dirty="0"/>
+          </a:p>
+        </p:txBody>
+      </p:sp>
+      <p:sp>
+        <p:nvSpPr>
+          <p:cNvPr id="3" name="Content Placeholder 2"/>
+          <p:cNvSpPr>
+            <a:spLocks noGrp="1"/>
+          </p:cNvSpPr>
+          <p:nvPr>
+            <p:ph idx="1"/>
+          </p:nvPr>
+        </p:nvSpPr>
+        <p:spPr/>
+        <p:txBody>
+          <a:bodyPr>
+            <a:normAutofit/>
+          </a:bodyPr>
+          <a:lstStyle/>
+          <a:p>
+            <a:r>
+              <a:rPr lang="en-US" sz="2400" u="sng" dirty="0" smtClean="0">
+                <a:hlinkClick r:id="rId2"/>
+              </a:rPr>
+              <a:t>http</a:t>
+            </a:r>
+            <a:r>
+              <a:rPr lang="en-US" sz="2400" u="sng" dirty="0" smtClean="0">
+                <a:hlinkClick r:id="rId2"/>
+              </a:rPr>
+              <a:t>://www.worktime.com/personal/</a:t>
+            </a:r>
+          </a:p>
+          <a:p>
+            <a:r>
+              <a:rPr lang="en-US" sz="2400" u="sng" dirty="0" smtClean="0">
+                <a:hlinkClick r:id="rId2"/>
+              </a:rPr>
+              <a:t>http://www.manictime.com/</a:t>
+            </a:r>
+            <a:endParaRPr lang="en-US" sz="2400" u="sng" dirty="0" smtClean="0"/>
+          </a:p>
+          <a:p>
+            <a:r>
+              <a:rPr lang="en-US" sz="2400" u="sng" dirty="0" smtClean="0">
+                <a:hlinkClick r:id="rId3"/>
+              </a:rPr>
+              <a:t>http://</a:t>
+            </a:r>
+            <a:r>
+              <a:rPr lang="en-US" sz="2400" u="sng" dirty="0" smtClean="0">
+                <a:hlinkClick r:id="rId3"/>
+              </a:rPr>
+              <a:t>www.neuber.com/timeanalyzer/index.html</a:t>
+            </a:r>
+            <a:endParaRPr lang="en-US" sz="2400" u="sng" dirty="0" smtClean="0"/>
+          </a:p>
+          <a:p>
+            <a:r>
+              <a:rPr lang="en-US" sz="2400" u="sng" dirty="0" smtClean="0">
+                <a:hlinkClick r:id="rId4"/>
+              </a:rPr>
+              <a:t>https</a:t>
+            </a:r>
+            <a:r>
+              <a:rPr lang="en-US" sz="2400" u="sng" dirty="0" smtClean="0">
+                <a:hlinkClick r:id="rId4"/>
+              </a:rPr>
+              <a:t>://</a:t>
+            </a:r>
+            <a:r>
+              <a:rPr lang="en-US" sz="2400" u="sng" dirty="0" smtClean="0">
+                <a:hlinkClick r:id="rId4"/>
+              </a:rPr>
+              <a:t>www.researchgate.net/publication/281812644</a:t>
+            </a:r>
+            <a:endParaRPr lang="en-US" sz="2400" u="sng" dirty="0" smtClean="0"/>
+          </a:p>
+          <a:p>
+            <a:r>
+              <a:rPr lang="en-US" sz="2400" dirty="0" smtClean="0">
+                <a:hlinkClick r:id="rId5"/>
+              </a:rPr>
+              <a:t>http://</a:t>
+            </a:r>
+            <a:r>
+              <a:rPr lang="en-US" sz="2400" dirty="0" smtClean="0">
+                <a:hlinkClick r:id="rId5"/>
+              </a:rPr>
+              <a:t>www.academia.edu/download/30734346/p557.pdf</a:t>
+            </a:r>
+            <a:r>
               <a:rPr lang="en-US" sz="2400" dirty="0" smtClean="0"/>
-              <a:t>Security and anonymization </a:t>
-            </a:r>
-            <a:r>
-              <a:rPr lang="en-US" sz="2400" dirty="0" smtClean="0"/>
-              <a:t>priority</a:t>
-            </a:r>
-          </a:p>
-          <a:p>
-            <a:endParaRPr lang="en-US" dirty="0"/>
+              <a:t> </a:t>
+            </a:r>
+            <a:endParaRPr lang="en-US" sz="2400" dirty="0"/>
           </a:p>
         </p:txBody>
       </p:sp>
@@ -4419,8 +4980,13 @@
             </a:pPr>
             <a:r>
               <a:rPr lang="en-US" dirty="0" smtClean="0"/>
-              <a:t>Categorize activity nature</a:t>
-            </a:r>
+              <a:t>Categorize activity </a:t>
+            </a:r>
+            <a:r>
+              <a:rPr lang="en-US" dirty="0" smtClean="0"/>
+              <a:t>nature automatically</a:t>
+            </a:r>
+            <a:endParaRPr lang="en-US" dirty="0" smtClean="0"/>
           </a:p>
           <a:p>
             <a:pPr lvl="1">
@@ -4431,12 +4997,12 @@
               <a:t>		“Research” </a:t>
             </a:r>
             <a:r>
-              <a:rPr lang="en-US" dirty="0" err="1" smtClean="0"/>
-              <a:t>vs</a:t>
-            </a:r>
-            <a:r>
-              <a:rPr lang="en-US" dirty="0" smtClean="0"/>
-              <a:t> “Teaching”</a:t>
+              <a:rPr lang="en-US" dirty="0" smtClean="0"/>
+              <a:t>versus </a:t>
+            </a:r>
+            <a:r>
+              <a:rPr lang="en-US" dirty="0" smtClean="0"/>
+              <a:t>“Teaching”</a:t>
             </a:r>
             <a:endParaRPr lang="en-US" dirty="0"/>
           </a:p>
@@ -4447,114 +5013,17 @@
   <p:clrMapOvr>
     <a:masterClrMapping/>
   </p:clrMapOvr>
+  <p:timing>
+    <p:tnLst>
+      <p:par>
+        <p:cTn id="1" dur="indefinite" restart="never" nodeType="tmRoot"/>
+      </p:par>
+    </p:tnLst>
+  </p:timing>
 </p:sld>
 </file>
 
 <file path=ppt/slides/slide8.xml><?xml version="1.0" encoding="utf-8"?>
-<p:sld xmlns:a="http://schemas.openxmlformats.org/drawingml/2006/main" xmlns:r="http://schemas.openxmlformats.org/officeDocument/2006/relationships" xmlns:p="http://schemas.openxmlformats.org/presentationml/2006/main">
-  <p:cSld>
-    <p:spTree>
-      <p:nvGrpSpPr>
-        <p:cNvPr id="1" name=""/>
-        <p:cNvGrpSpPr/>
-        <p:nvPr/>
-      </p:nvGrpSpPr>
-      <p:grpSpPr>
-        <a:xfrm>
-          <a:off x="0" y="0"/>
-          <a:ext cx="0" cy="0"/>
-          <a:chOff x="0" y="0"/>
-          <a:chExt cx="0" cy="0"/>
-        </a:xfrm>
-      </p:grpSpPr>
-      <p:sp>
-        <p:nvSpPr>
-          <p:cNvPr id="2" name="Title 1"/>
-          <p:cNvSpPr>
-            <a:spLocks noGrp="1"/>
-          </p:cNvSpPr>
-          <p:nvPr>
-            <p:ph type="title"/>
-          </p:nvPr>
-        </p:nvSpPr>
-        <p:spPr/>
-        <p:txBody>
-          <a:bodyPr/>
-          <a:lstStyle/>
-          <a:p>
-            <a:r>
-              <a:rPr lang="en-US" dirty="0" smtClean="0"/>
-              <a:t>Papers I have read</a:t>
-            </a:r>
-            <a:endParaRPr lang="en-US" dirty="0"/>
-          </a:p>
-        </p:txBody>
-      </p:sp>
-      <p:sp>
-        <p:nvSpPr>
-          <p:cNvPr id="3" name="Content Placeholder 2"/>
-          <p:cNvSpPr>
-            <a:spLocks noGrp="1"/>
-          </p:cNvSpPr>
-          <p:nvPr>
-            <p:ph idx="1"/>
-          </p:nvPr>
-        </p:nvSpPr>
-        <p:spPr/>
-        <p:txBody>
-          <a:bodyPr/>
-          <a:lstStyle/>
-          <a:p>
-            <a:pPr marL="514350" indent="-514350">
-              <a:buFont typeface="+mj-lt"/>
-              <a:buAutoNum type="arabicParenR"/>
-            </a:pPr>
-            <a:r>
-              <a:rPr lang="en-US" dirty="0" smtClean="0"/>
-              <a:t>Personal Visualization for learning</a:t>
-            </a:r>
-          </a:p>
-          <a:p>
-            <a:pPr marL="514350" indent="-514350">
-              <a:buFont typeface="+mj-lt"/>
-              <a:buAutoNum type="arabicParenR"/>
-            </a:pPr>
-            <a:r>
-              <a:rPr lang="en-US" dirty="0" smtClean="0"/>
-              <a:t>Understanding Quantified-</a:t>
-            </a:r>
-            <a:r>
-              <a:rPr lang="en-US" dirty="0" err="1" smtClean="0"/>
-              <a:t>selfers</a:t>
-            </a:r>
-            <a:endParaRPr lang="en-US" dirty="0" smtClean="0"/>
-          </a:p>
-          <a:p>
-            <a:pPr marL="514350" indent="-514350">
-              <a:buFont typeface="+mj-lt"/>
-              <a:buAutoNum type="arabicParenR"/>
-            </a:pPr>
-            <a:r>
-              <a:rPr lang="en-US" dirty="0" smtClean="0"/>
-              <a:t>A stage-based model of personal informatics </a:t>
-            </a:r>
-            <a:r>
-              <a:rPr lang="en-US" dirty="0" smtClean="0"/>
-              <a:t>system</a:t>
-            </a:r>
-            <a:endParaRPr lang="en-US" dirty="0" smtClean="0"/>
-          </a:p>
-        </p:txBody>
-      </p:sp>
-    </p:spTree>
-  </p:cSld>
-  <p:clrMapOvr>
-    <a:masterClrMapping/>
-  </p:clrMapOvr>
-</p:sld>
-</file>
-
-<file path=ppt/slides/slide9.xml><?xml version="1.0" encoding="utf-8"?>
 <p:sld xmlns:a="http://schemas.openxmlformats.org/drawingml/2006/main" xmlns:r="http://schemas.openxmlformats.org/officeDocument/2006/relationships" xmlns:p="http://schemas.openxmlformats.org/presentationml/2006/main">
   <p:cSld>
     <p:spTree>
@@ -4655,6 +5124,176 @@
           <a:noFill/>
         </p:spPr>
       </p:pic>
+    </p:spTree>
+  </p:cSld>
+  <p:clrMapOvr>
+    <a:masterClrMapping/>
+  </p:clrMapOvr>
+  <p:timing>
+    <p:tnLst>
+      <p:par>
+        <p:cTn id="1" dur="indefinite" restart="never" nodeType="tmRoot"/>
+      </p:par>
+    </p:tnLst>
+  </p:timing>
+</p:sld>
+</file>
+
+<file path=ppt/slides/slide9.xml><?xml version="1.0" encoding="utf-8"?>
+<p:sld xmlns:a="http://schemas.openxmlformats.org/drawingml/2006/main" xmlns:r="http://schemas.openxmlformats.org/officeDocument/2006/relationships" xmlns:p="http://schemas.openxmlformats.org/presentationml/2006/main">
+  <p:cSld>
+    <p:spTree>
+      <p:nvGrpSpPr>
+        <p:cNvPr id="1" name=""/>
+        <p:cNvGrpSpPr/>
+        <p:nvPr/>
+      </p:nvGrpSpPr>
+      <p:grpSpPr>
+        <a:xfrm>
+          <a:off x="0" y="0"/>
+          <a:ext cx="0" cy="0"/>
+          <a:chOff x="0" y="0"/>
+          <a:chExt cx="0" cy="0"/>
+        </a:xfrm>
+      </p:grpSpPr>
+      <p:sp>
+        <p:nvSpPr>
+          <p:cNvPr id="2" name="Title 1"/>
+          <p:cNvSpPr>
+            <a:spLocks noGrp="1"/>
+          </p:cNvSpPr>
+          <p:nvPr>
+            <p:ph type="title"/>
+          </p:nvPr>
+        </p:nvSpPr>
+        <p:spPr/>
+        <p:txBody>
+          <a:bodyPr/>
+          <a:lstStyle/>
+          <a:p>
+            <a:r>
+              <a:rPr lang="en-US" dirty="0" smtClean="0"/>
+              <a:t>Personal Visualization for Learning</a:t>
+            </a:r>
+            <a:endParaRPr lang="en-US" dirty="0"/>
+          </a:p>
+        </p:txBody>
+      </p:sp>
+      <p:sp>
+        <p:nvSpPr>
+          <p:cNvPr id="3" name="Content Placeholder 2"/>
+          <p:cNvSpPr>
+            <a:spLocks noGrp="1"/>
+          </p:cNvSpPr>
+          <p:nvPr>
+            <p:ph idx="1"/>
+          </p:nvPr>
+        </p:nvSpPr>
+        <p:spPr>
+          <a:xfrm>
+            <a:off x="0" y="1600200"/>
+            <a:ext cx="9144000" cy="5257800"/>
+          </a:xfrm>
+          <a:ln>
+            <a:solidFill>
+              <a:schemeClr val="bg1"/>
+            </a:solidFill>
+          </a:ln>
+        </p:spPr>
+        <p:txBody>
+          <a:bodyPr>
+            <a:normAutofit/>
+          </a:bodyPr>
+          <a:lstStyle/>
+          <a:p>
+            <a:r>
+              <a:rPr lang="en-US" dirty="0" smtClean="0"/>
+              <a:t>Problem Statement:</a:t>
+            </a:r>
+            <a:endParaRPr lang="en-US" dirty="0" smtClean="0"/>
+          </a:p>
+          <a:p>
+            <a:pPr lvl="1">
+              <a:buFont typeface="Wingdings" pitchFamily="2" charset="2"/>
+              <a:buChar char="Ø"/>
+            </a:pPr>
+            <a:r>
+              <a:rPr lang="en-US" sz="2400" dirty="0" smtClean="0"/>
+              <a:t>Grade, </a:t>
+            </a:r>
+            <a:r>
+              <a:rPr lang="en-US" sz="2400" dirty="0" err="1" smtClean="0"/>
+              <a:t>Weightage</a:t>
+            </a:r>
+            <a:r>
+              <a:rPr lang="en-US" sz="2400" dirty="0" smtClean="0"/>
+              <a:t>, Attendance etc</a:t>
+            </a:r>
+          </a:p>
+          <a:p>
+            <a:pPr lvl="1">
+              <a:buFont typeface="Wingdings" pitchFamily="2" charset="2"/>
+              <a:buChar char="Ø"/>
+            </a:pPr>
+            <a:r>
+              <a:rPr lang="en-US" sz="2400" dirty="0" smtClean="0"/>
+              <a:t>Data on personal learning is lacking</a:t>
+            </a:r>
+          </a:p>
+          <a:p>
+            <a:pPr>
+              <a:buNone/>
+            </a:pPr>
+            <a:endParaRPr lang="en-US" dirty="0"/>
+          </a:p>
+          <a:p>
+            <a:r>
+              <a:rPr lang="en-US" dirty="0" smtClean="0"/>
+              <a:t>Solution:</a:t>
+            </a:r>
+          </a:p>
+          <a:p>
+            <a:pPr lvl="1">
+              <a:buFont typeface="Wingdings" pitchFamily="2" charset="2"/>
+              <a:buChar char="Ø"/>
+            </a:pPr>
+            <a:r>
+              <a:rPr lang="en-US" sz="2400" dirty="0" smtClean="0"/>
+              <a:t>Personal Data </a:t>
+            </a:r>
+            <a:r>
+              <a:rPr lang="en-US" sz="2400" dirty="0" smtClean="0">
+                <a:sym typeface="Wingdings" pitchFamily="2" charset="2"/>
+              </a:rPr>
+              <a:t> Personal Visualization  Personal Learning</a:t>
+            </a:r>
+          </a:p>
+          <a:p>
+            <a:pPr lvl="1">
+              <a:buFont typeface="Wingdings" pitchFamily="2" charset="2"/>
+              <a:buChar char="Ø"/>
+            </a:pPr>
+            <a:r>
+              <a:rPr lang="en-US" sz="2400" dirty="0" smtClean="0">
+                <a:sym typeface="Wingdings" pitchFamily="2" charset="2"/>
+              </a:rPr>
+              <a:t>Dynamically and regularly </a:t>
+            </a:r>
+            <a:r>
+              <a:rPr lang="en-US" sz="2400" dirty="0" smtClean="0">
+                <a:sym typeface="Wingdings" pitchFamily="2" charset="2"/>
+              </a:rPr>
+              <a:t>updated </a:t>
+            </a:r>
+            <a:r>
+              <a:rPr lang="en-US" sz="2400" dirty="0" smtClean="0">
+                <a:sym typeface="Wingdings" pitchFamily="2" charset="2"/>
+              </a:rPr>
+              <a:t>personal data</a:t>
+            </a:r>
+          </a:p>
+        </p:txBody>
+      </p:sp>
     </p:spTree>
   </p:cSld>
   <p:clrMapOvr>
